--- a/DDS_share.pptx
+++ b/DDS_share.pptx
@@ -5,7 +5,7 @@
     <p:sldMasterId id="2147483690" r:id="rId1"/>
   </p:sldMasterIdLst>
   <p:notesMasterIdLst>
-    <p:notesMasterId r:id="rId18"/>
+    <p:notesMasterId r:id="rId15"/>
   </p:notesMasterIdLst>
   <p:sldIdLst>
     <p:sldId id="256" r:id="rId2"/>
@@ -13,17 +13,14 @@
     <p:sldId id="267" r:id="rId4"/>
     <p:sldId id="280" r:id="rId5"/>
     <p:sldId id="279" r:id="rId6"/>
-    <p:sldId id="275" r:id="rId7"/>
-    <p:sldId id="277" r:id="rId8"/>
+    <p:sldId id="277" r:id="rId7"/>
+    <p:sldId id="275" r:id="rId8"/>
     <p:sldId id="269" r:id="rId9"/>
-    <p:sldId id="274" r:id="rId10"/>
-    <p:sldId id="278" r:id="rId11"/>
-    <p:sldId id="273" r:id="rId12"/>
-    <p:sldId id="270" r:id="rId13"/>
-    <p:sldId id="271" r:id="rId14"/>
-    <p:sldId id="272" r:id="rId15"/>
-    <p:sldId id="265" r:id="rId16"/>
-    <p:sldId id="266" r:id="rId17"/>
+    <p:sldId id="273" r:id="rId10"/>
+    <p:sldId id="274" r:id="rId11"/>
+    <p:sldId id="278" r:id="rId12"/>
+    <p:sldId id="265" r:id="rId13"/>
+    <p:sldId id="266" r:id="rId14"/>
   </p:sldIdLst>
   <p:sldSz cx="12192000" cy="6858000"/>
   <p:notesSz cx="6858000" cy="9144000"/>
@@ -3688,7 +3685,7 @@
 </file>
 
 <file path=ppt/slides/slide10.xml><?xml version="1.0" encoding="utf-8"?>
-<p:sld xmlns:a="http://schemas.openxmlformats.org/drawingml/2006/main" xmlns:r="http://schemas.openxmlformats.org/officeDocument/2006/relationships" xmlns:p="http://schemas.openxmlformats.org/presentationml/2006/main">
+<p:sld xmlns:a="http://schemas.openxmlformats.org/drawingml/2006/main" xmlns:r="http://schemas.openxmlformats.org/officeDocument/2006/relationships" xmlns:p="http://schemas.openxmlformats.org/presentationml/2006/main" show="0">
   <p:cSld>
     <p:spTree>
       <p:nvGrpSpPr>
@@ -3721,7 +3718,7 @@
           <a:p>
             <a:r>
               <a:rPr lang="de-DE" dirty="0" smtClean="0"/>
-              <a:t>DDS Interoperabilität</a:t>
+              <a:t>DDS Implementierungen</a:t>
             </a:r>
             <a:endParaRPr lang="de-DE" dirty="0"/>
           </a:p>
@@ -3742,7 +3739,52 @@
           <a:bodyPr/>
           <a:lstStyle/>
           <a:p>
-            <a:endParaRPr lang="de-DE"/>
+            <a:r>
+              <a:rPr lang="de-DE" dirty="0" err="1" smtClean="0"/>
+              <a:t>OpenDDS</a:t>
+            </a:r>
+            <a:endParaRPr lang="de-DE" dirty="0" smtClean="0"/>
+          </a:p>
+          <a:p>
+            <a:r>
+              <a:rPr lang="de-DE" dirty="0" smtClean="0"/>
+              <a:t>DDS </a:t>
+            </a:r>
+            <a:r>
+              <a:rPr lang="de-DE" dirty="0" err="1" smtClean="0"/>
+              <a:t>for</a:t>
+            </a:r>
+            <a:r>
+              <a:rPr lang="de-DE" dirty="0" smtClean="0"/>
+              <a:t> TAO</a:t>
+            </a:r>
+          </a:p>
+          <a:p>
+            <a:r>
+              <a:rPr lang="de-DE" dirty="0" smtClean="0"/>
+              <a:t>RTI Data Distribution Service (NDDS)</a:t>
+            </a:r>
+          </a:p>
+          <a:p>
+            <a:r>
+              <a:rPr lang="de-DE" dirty="0" smtClean="0"/>
+              <a:t>BEE DDS</a:t>
+            </a:r>
+          </a:p>
+          <a:p>
+            <a:r>
+              <a:rPr lang="de-DE" dirty="0" smtClean="0"/>
+              <a:t>DDS </a:t>
+            </a:r>
+            <a:r>
+              <a:rPr lang="de-DE" dirty="0" err="1" smtClean="0"/>
+              <a:t>for</a:t>
+            </a:r>
+            <a:r>
+              <a:rPr lang="de-DE" dirty="0" smtClean="0"/>
+              <a:t> ROS</a:t>
+            </a:r>
+            <a:endParaRPr lang="de-DE" dirty="0"/>
           </a:p>
         </p:txBody>
       </p:sp>
@@ -3795,13 +3837,21 @@
     </p:spTree>
     <p:extLst>
       <p:ext uri="{BB962C8B-B14F-4D97-AF65-F5344CB8AC3E}">
-        <p14:creationId xmlns:p14="http://schemas.microsoft.com/office/powerpoint/2010/main" val="550951354"/>
+        <p14:creationId xmlns:p14="http://schemas.microsoft.com/office/powerpoint/2010/main" val="3373674930"/>
       </p:ext>
     </p:extLst>
   </p:cSld>
   <p:clrMapOvr>
     <a:masterClrMapping/>
   </p:clrMapOvr>
+  <mc:AlternateContent xmlns:mc="http://schemas.openxmlformats.org/markup-compatibility/2006">
+    <mc:Choice xmlns:p14="http://schemas.microsoft.com/office/powerpoint/2010/main" Requires="p14">
+      <p:transition spd="slow" p14:dur="2000"/>
+    </mc:Choice>
+    <mc:Fallback>
+      <p:transition spd="slow"/>
+    </mc:Fallback>
+  </mc:AlternateContent>
 </p:sld>
 </file>
 
@@ -3839,36 +3889,32 @@
           <a:p>
             <a:r>
               <a:rPr lang="de-DE" dirty="0" smtClean="0"/>
-              <a:t>DDS </a:t>
-            </a:r>
-            <a:r>
-              <a:rPr lang="de-DE" dirty="0" err="1" smtClean="0"/>
-              <a:t>QoS</a:t>
-            </a:r>
+              <a:t>DDS Interoperabilität</a:t>
+            </a:r>
+            <a:endParaRPr lang="de-DE" dirty="0"/>
+          </a:p>
+        </p:txBody>
+      </p:sp>
+      <p:sp>
+        <p:nvSpPr>
+          <p:cNvPr id="3" name="Inhaltsplatzhalter 2"/>
+          <p:cNvSpPr>
+            <a:spLocks noGrp="1"/>
+          </p:cNvSpPr>
+          <p:nvPr>
+            <p:ph idx="1"/>
+          </p:nvPr>
+        </p:nvSpPr>
+        <p:spPr/>
+        <p:txBody>
+          <a:bodyPr/>
+          <a:lstStyle/>
+          <a:p>
             <a:r>
               <a:rPr lang="de-DE" dirty="0" smtClean="0"/>
-              <a:t> Beispiele</a:t>
+              <a:t>ROS2 vor allem -&gt; Autonome Systeme</a:t>
             </a:r>
             <a:endParaRPr lang="de-DE" dirty="0"/>
-          </a:p>
-        </p:txBody>
-      </p:sp>
-      <p:sp>
-        <p:nvSpPr>
-          <p:cNvPr id="3" name="Inhaltsplatzhalter 2"/>
-          <p:cNvSpPr>
-            <a:spLocks noGrp="1"/>
-          </p:cNvSpPr>
-          <p:nvPr>
-            <p:ph idx="1"/>
-          </p:nvPr>
-        </p:nvSpPr>
-        <p:spPr/>
-        <p:txBody>
-          <a:bodyPr/>
-          <a:lstStyle/>
-          <a:p>
-            <a:endParaRPr lang="de-DE"/>
           </a:p>
         </p:txBody>
       </p:sp>
@@ -3921,7 +3967,7 @@
     </p:spTree>
     <p:extLst>
       <p:ext uri="{BB962C8B-B14F-4D97-AF65-F5344CB8AC3E}">
-        <p14:creationId xmlns:p14="http://schemas.microsoft.com/office/powerpoint/2010/main" val="2324785858"/>
+        <p14:creationId xmlns:p14="http://schemas.microsoft.com/office/powerpoint/2010/main" val="550951354"/>
       </p:ext>
     </p:extLst>
   </p:cSld>
@@ -3950,7 +3996,7 @@
       </p:grpSpPr>
       <p:sp>
         <p:nvSpPr>
-          <p:cNvPr id="2" name="Titel 1"/>
+          <p:cNvPr id="6" name="Titel 5"/>
           <p:cNvSpPr>
             <a:spLocks noGrp="1"/>
           </p:cNvSpPr>
@@ -3965,7 +4011,7 @@
           <a:p>
             <a:r>
               <a:rPr lang="de-DE" dirty="0" smtClean="0"/>
-              <a:t>Vergleich mit MQTT, AMQP, OPC UA </a:t>
+              <a:t>Vielen Dank für die Aufmerksamkeit</a:t>
             </a:r>
             <a:endParaRPr lang="de-DE" dirty="0"/>
           </a:p>
@@ -3973,12 +4019,12 @@
       </p:sp>
       <p:sp>
         <p:nvSpPr>
-          <p:cNvPr id="3" name="Inhaltsplatzhalter 2"/>
-          <p:cNvSpPr>
-            <a:spLocks noGrp="1"/>
-          </p:cNvSpPr>
-          <p:nvPr>
-            <p:ph idx="1"/>
+          <p:cNvPr id="7" name="Textplatzhalter 6"/>
+          <p:cNvSpPr>
+            <a:spLocks noGrp="1"/>
+          </p:cNvSpPr>
+          <p:nvPr>
+            <p:ph type="body" idx="1"/>
           </p:nvPr>
         </p:nvSpPr>
         <p:spPr/>
@@ -3986,7 +4032,7 @@
           <a:bodyPr/>
           <a:lstStyle/>
           <a:p>
-            <a:endParaRPr lang="de-DE" dirty="0"/>
+            <a:endParaRPr lang="de-DE"/>
           </a:p>
         </p:txBody>
       </p:sp>
@@ -4039,13 +4085,20 @@
     </p:spTree>
     <p:extLst>
       <p:ext uri="{BB962C8B-B14F-4D97-AF65-F5344CB8AC3E}">
-        <p14:creationId xmlns:p14="http://schemas.microsoft.com/office/powerpoint/2010/main" val="1105321906"/>
+        <p14:creationId xmlns:p14="http://schemas.microsoft.com/office/powerpoint/2010/main" val="1849382148"/>
       </p:ext>
     </p:extLst>
   </p:cSld>
   <p:clrMapOvr>
     <a:masterClrMapping/>
   </p:clrMapOvr>
+  <p:timing>
+    <p:tnLst>
+      <p:par>
+        <p:cTn id="1" dur="indefinite" restart="never" nodeType="tmRoot"/>
+      </p:par>
+    </p:tnLst>
+  </p:timing>
 </p:sld>
 </file>
 
@@ -4068,7 +4121,7 @@
       </p:grpSpPr>
       <p:sp>
         <p:nvSpPr>
-          <p:cNvPr id="2" name="Titel 1"/>
+          <p:cNvPr id="6" name="Titel 5"/>
           <p:cNvSpPr>
             <a:spLocks noGrp="1"/>
           </p:cNvSpPr>
@@ -4080,6 +4133,47 @@
         <p:txBody>
           <a:bodyPr/>
           <a:lstStyle/>
+          <a:p>
+            <a:r>
+              <a:rPr lang="de-DE" dirty="0" smtClean="0"/>
+              <a:t>Quellen</a:t>
+            </a:r>
+            <a:endParaRPr lang="de-DE" dirty="0"/>
+          </a:p>
+        </p:txBody>
+      </p:sp>
+      <p:sp>
+        <p:nvSpPr>
+          <p:cNvPr id="7" name="Inhaltsplatzhalter 6"/>
+          <p:cNvSpPr>
+            <a:spLocks noGrp="1"/>
+          </p:cNvSpPr>
+          <p:nvPr>
+            <p:ph idx="1"/>
+          </p:nvPr>
+        </p:nvSpPr>
+        <p:spPr/>
+        <p:txBody>
+          <a:bodyPr/>
+          <a:lstStyle/>
+          <a:p>
+            <a:r>
+              <a:rPr lang="de-DE" dirty="0"/>
+              <a:t>OMG </a:t>
+            </a:r>
+            <a:r>
+              <a:rPr lang="de-DE" dirty="0" smtClean="0"/>
+              <a:t>Data </a:t>
+            </a:r>
+            <a:r>
+              <a:rPr lang="de-DE" dirty="0"/>
+              <a:t>Distribution Service Version </a:t>
+            </a:r>
+            <a:r>
+              <a:rPr lang="de-DE" dirty="0" smtClean="0"/>
+              <a:t>1.4 (Link)</a:t>
+            </a:r>
+          </a:p>
           <a:p>
             <a:r>
               <a:rPr lang="de-DE" dirty="0" smtClean="0"/>
@@ -4087,32 +4181,35 @@
             </a:r>
             <a:r>
               <a:rPr lang="de-DE" dirty="0" err="1" smtClean="0"/>
-              <a:t>QoS</a:t>
+              <a:t>Foundation</a:t>
+            </a:r>
+            <a:r>
+              <a:rPr lang="de-DE" dirty="0" smtClean="0"/>
+              <a:t> (Link)</a:t>
+            </a:r>
+          </a:p>
+          <a:p>
+            <a:r>
+              <a:rPr lang="de-DE" dirty="0" smtClean="0"/>
+              <a:t>Penis </a:t>
+            </a:r>
+            <a:r>
+              <a:rPr lang="de-DE" dirty="0" err="1" smtClean="0"/>
+              <a:t>informatik</a:t>
             </a:r>
             <a:r>
               <a:rPr lang="de-DE" dirty="0" smtClean="0"/>
               <a:t> </a:t>
             </a:r>
+            <a:r>
+              <a:rPr lang="de-DE" dirty="0" err="1" smtClean="0"/>
+              <a:t>seite</a:t>
+            </a:r>
+            <a:r>
+              <a:rPr lang="de-DE" dirty="0" smtClean="0"/>
+              <a:t> (Link)</a:t>
+            </a:r>
             <a:endParaRPr lang="de-DE" dirty="0"/>
-          </a:p>
-        </p:txBody>
-      </p:sp>
-      <p:sp>
-        <p:nvSpPr>
-          <p:cNvPr id="3" name="Inhaltsplatzhalter 2"/>
-          <p:cNvSpPr>
-            <a:spLocks noGrp="1"/>
-          </p:cNvSpPr>
-          <p:nvPr>
-            <p:ph idx="1"/>
-          </p:nvPr>
-        </p:nvSpPr>
-        <p:spPr/>
-        <p:txBody>
-          <a:bodyPr/>
-          <a:lstStyle/>
-          <a:p>
-            <a:endParaRPr lang="de-DE"/>
           </a:p>
         </p:txBody>
       </p:sp>
@@ -4135,7 +4232,7 @@
               <a:rPr lang="nl-NL" smtClean="0"/>
               <a:t>C. Adolph - J.P. Kaatz - 2021</a:t>
             </a:r>
-            <a:endParaRPr lang="de-DE"/>
+            <a:endParaRPr lang="de-DE" dirty="0"/>
           </a:p>
         </p:txBody>
       </p:sp>
@@ -4157,419 +4254,6 @@
             <a:fld id="{4D1A007C-F580-4FCE-902E-6189D8624F0F}" type="slidenum">
               <a:rPr lang="de-DE" smtClean="0"/>
               <a:t>13</a:t>
-            </a:fld>
-            <a:endParaRPr lang="de-DE"/>
-          </a:p>
-        </p:txBody>
-      </p:sp>
-    </p:spTree>
-    <p:extLst>
-      <p:ext uri="{BB962C8B-B14F-4D97-AF65-F5344CB8AC3E}">
-        <p14:creationId xmlns:p14="http://schemas.microsoft.com/office/powerpoint/2010/main" val="438538367"/>
-      </p:ext>
-    </p:extLst>
-  </p:cSld>
-  <p:clrMapOvr>
-    <a:masterClrMapping/>
-  </p:clrMapOvr>
-</p:sld>
-</file>
-
-<file path=ppt/slides/slide14.xml><?xml version="1.0" encoding="utf-8"?>
-<p:sld xmlns:a="http://schemas.openxmlformats.org/drawingml/2006/main" xmlns:r="http://schemas.openxmlformats.org/officeDocument/2006/relationships" xmlns:p="http://schemas.openxmlformats.org/presentationml/2006/main">
-  <p:cSld>
-    <p:spTree>
-      <p:nvGrpSpPr>
-        <p:cNvPr id="1" name=""/>
-        <p:cNvGrpSpPr/>
-        <p:nvPr/>
-      </p:nvGrpSpPr>
-      <p:grpSpPr>
-        <a:xfrm>
-          <a:off x="0" y="0"/>
-          <a:ext cx="0" cy="0"/>
-          <a:chOff x="0" y="0"/>
-          <a:chExt cx="0" cy="0"/>
-        </a:xfrm>
-      </p:grpSpPr>
-      <p:sp>
-        <p:nvSpPr>
-          <p:cNvPr id="2" name="Titel 1"/>
-          <p:cNvSpPr>
-            <a:spLocks noGrp="1"/>
-          </p:cNvSpPr>
-          <p:nvPr>
-            <p:ph type="title"/>
-          </p:nvPr>
-        </p:nvSpPr>
-        <p:spPr/>
-        <p:txBody>
-          <a:bodyPr/>
-          <a:lstStyle/>
-          <a:p>
-            <a:r>
-              <a:rPr lang="de-DE" dirty="0" smtClean="0"/>
-              <a:t>Live Demo</a:t>
-            </a:r>
-            <a:endParaRPr lang="de-DE" dirty="0"/>
-          </a:p>
-        </p:txBody>
-      </p:sp>
-      <p:sp>
-        <p:nvSpPr>
-          <p:cNvPr id="3" name="Inhaltsplatzhalter 2"/>
-          <p:cNvSpPr>
-            <a:spLocks noGrp="1"/>
-          </p:cNvSpPr>
-          <p:nvPr>
-            <p:ph idx="1"/>
-          </p:nvPr>
-        </p:nvSpPr>
-        <p:spPr/>
-        <p:txBody>
-          <a:bodyPr/>
-          <a:lstStyle/>
-          <a:p>
-            <a:endParaRPr lang="de-DE" dirty="0"/>
-          </a:p>
-        </p:txBody>
-      </p:sp>
-      <p:sp>
-        <p:nvSpPr>
-          <p:cNvPr id="4" name="Fußzeilenplatzhalter 3"/>
-          <p:cNvSpPr>
-            <a:spLocks noGrp="1"/>
-          </p:cNvSpPr>
-          <p:nvPr>
-            <p:ph type="ftr" sz="quarter" idx="11"/>
-          </p:nvPr>
-        </p:nvSpPr>
-        <p:spPr/>
-        <p:txBody>
-          <a:bodyPr/>
-          <a:lstStyle/>
-          <a:p>
-            <a:r>
-              <a:rPr lang="nl-NL" smtClean="0"/>
-              <a:t>C. Adolph - J.P. Kaatz - 2021</a:t>
-            </a:r>
-            <a:endParaRPr lang="de-DE"/>
-          </a:p>
-        </p:txBody>
-      </p:sp>
-      <p:sp>
-        <p:nvSpPr>
-          <p:cNvPr id="5" name="Foliennummernplatzhalter 4"/>
-          <p:cNvSpPr>
-            <a:spLocks noGrp="1"/>
-          </p:cNvSpPr>
-          <p:nvPr>
-            <p:ph type="sldNum" sz="quarter" idx="12"/>
-          </p:nvPr>
-        </p:nvSpPr>
-        <p:spPr/>
-        <p:txBody>
-          <a:bodyPr/>
-          <a:lstStyle/>
-          <a:p>
-            <a:fld id="{4D1A007C-F580-4FCE-902E-6189D8624F0F}" type="slidenum">
-              <a:rPr lang="de-DE" smtClean="0"/>
-              <a:t>14</a:t>
-            </a:fld>
-            <a:endParaRPr lang="de-DE"/>
-          </a:p>
-        </p:txBody>
-      </p:sp>
-    </p:spTree>
-    <p:extLst>
-      <p:ext uri="{BB962C8B-B14F-4D97-AF65-F5344CB8AC3E}">
-        <p14:creationId xmlns:p14="http://schemas.microsoft.com/office/powerpoint/2010/main" val="2051730444"/>
-      </p:ext>
-    </p:extLst>
-  </p:cSld>
-  <p:clrMapOvr>
-    <a:masterClrMapping/>
-  </p:clrMapOvr>
-</p:sld>
-</file>
-
-<file path=ppt/slides/slide15.xml><?xml version="1.0" encoding="utf-8"?>
-<p:sld xmlns:a="http://schemas.openxmlformats.org/drawingml/2006/main" xmlns:r="http://schemas.openxmlformats.org/officeDocument/2006/relationships" xmlns:p="http://schemas.openxmlformats.org/presentationml/2006/main">
-  <p:cSld>
-    <p:spTree>
-      <p:nvGrpSpPr>
-        <p:cNvPr id="1" name=""/>
-        <p:cNvGrpSpPr/>
-        <p:nvPr/>
-      </p:nvGrpSpPr>
-      <p:grpSpPr>
-        <a:xfrm>
-          <a:off x="0" y="0"/>
-          <a:ext cx="0" cy="0"/>
-          <a:chOff x="0" y="0"/>
-          <a:chExt cx="0" cy="0"/>
-        </a:xfrm>
-      </p:grpSpPr>
-      <p:sp>
-        <p:nvSpPr>
-          <p:cNvPr id="6" name="Titel 5"/>
-          <p:cNvSpPr>
-            <a:spLocks noGrp="1"/>
-          </p:cNvSpPr>
-          <p:nvPr>
-            <p:ph type="title"/>
-          </p:nvPr>
-        </p:nvSpPr>
-        <p:spPr/>
-        <p:txBody>
-          <a:bodyPr/>
-          <a:lstStyle/>
-          <a:p>
-            <a:r>
-              <a:rPr lang="de-DE" dirty="0" smtClean="0"/>
-              <a:t>Vielen Dank für die Aufmerksamkeit</a:t>
-            </a:r>
-            <a:endParaRPr lang="de-DE" dirty="0"/>
-          </a:p>
-        </p:txBody>
-      </p:sp>
-      <p:sp>
-        <p:nvSpPr>
-          <p:cNvPr id="7" name="Textplatzhalter 6"/>
-          <p:cNvSpPr>
-            <a:spLocks noGrp="1"/>
-          </p:cNvSpPr>
-          <p:nvPr>
-            <p:ph type="body" idx="1"/>
-          </p:nvPr>
-        </p:nvSpPr>
-        <p:spPr/>
-        <p:txBody>
-          <a:bodyPr/>
-          <a:lstStyle/>
-          <a:p>
-            <a:endParaRPr lang="de-DE"/>
-          </a:p>
-        </p:txBody>
-      </p:sp>
-      <p:sp>
-        <p:nvSpPr>
-          <p:cNvPr id="4" name="Fußzeilenplatzhalter 3"/>
-          <p:cNvSpPr>
-            <a:spLocks noGrp="1"/>
-          </p:cNvSpPr>
-          <p:nvPr>
-            <p:ph type="ftr" sz="quarter" idx="11"/>
-          </p:nvPr>
-        </p:nvSpPr>
-        <p:spPr/>
-        <p:txBody>
-          <a:bodyPr/>
-          <a:lstStyle/>
-          <a:p>
-            <a:r>
-              <a:rPr lang="nl-NL" smtClean="0"/>
-              <a:t>C. Adolph - J.P. Kaatz - 2021</a:t>
-            </a:r>
-            <a:endParaRPr lang="de-DE"/>
-          </a:p>
-        </p:txBody>
-      </p:sp>
-      <p:sp>
-        <p:nvSpPr>
-          <p:cNvPr id="5" name="Foliennummernplatzhalter 4"/>
-          <p:cNvSpPr>
-            <a:spLocks noGrp="1"/>
-          </p:cNvSpPr>
-          <p:nvPr>
-            <p:ph type="sldNum" sz="quarter" idx="12"/>
-          </p:nvPr>
-        </p:nvSpPr>
-        <p:spPr/>
-        <p:txBody>
-          <a:bodyPr/>
-          <a:lstStyle/>
-          <a:p>
-            <a:fld id="{4D1A007C-F580-4FCE-902E-6189D8624F0F}" type="slidenum">
-              <a:rPr lang="de-DE" smtClean="0"/>
-              <a:t>15</a:t>
-            </a:fld>
-            <a:endParaRPr lang="de-DE"/>
-          </a:p>
-        </p:txBody>
-      </p:sp>
-    </p:spTree>
-    <p:extLst>
-      <p:ext uri="{BB962C8B-B14F-4D97-AF65-F5344CB8AC3E}">
-        <p14:creationId xmlns:p14="http://schemas.microsoft.com/office/powerpoint/2010/main" val="1849382148"/>
-      </p:ext>
-    </p:extLst>
-  </p:cSld>
-  <p:clrMapOvr>
-    <a:masterClrMapping/>
-  </p:clrMapOvr>
-  <p:timing>
-    <p:tnLst>
-      <p:par>
-        <p:cTn id="1" dur="indefinite" restart="never" nodeType="tmRoot"/>
-      </p:par>
-    </p:tnLst>
-  </p:timing>
-</p:sld>
-</file>
-
-<file path=ppt/slides/slide16.xml><?xml version="1.0" encoding="utf-8"?>
-<p:sld xmlns:a="http://schemas.openxmlformats.org/drawingml/2006/main" xmlns:r="http://schemas.openxmlformats.org/officeDocument/2006/relationships" xmlns:p="http://schemas.openxmlformats.org/presentationml/2006/main">
-  <p:cSld>
-    <p:spTree>
-      <p:nvGrpSpPr>
-        <p:cNvPr id="1" name=""/>
-        <p:cNvGrpSpPr/>
-        <p:nvPr/>
-      </p:nvGrpSpPr>
-      <p:grpSpPr>
-        <a:xfrm>
-          <a:off x="0" y="0"/>
-          <a:ext cx="0" cy="0"/>
-          <a:chOff x="0" y="0"/>
-          <a:chExt cx="0" cy="0"/>
-        </a:xfrm>
-      </p:grpSpPr>
-      <p:sp>
-        <p:nvSpPr>
-          <p:cNvPr id="6" name="Titel 5"/>
-          <p:cNvSpPr>
-            <a:spLocks noGrp="1"/>
-          </p:cNvSpPr>
-          <p:nvPr>
-            <p:ph type="title"/>
-          </p:nvPr>
-        </p:nvSpPr>
-        <p:spPr/>
-        <p:txBody>
-          <a:bodyPr/>
-          <a:lstStyle/>
-          <a:p>
-            <a:r>
-              <a:rPr lang="de-DE" dirty="0" smtClean="0"/>
-              <a:t>Quellen</a:t>
-            </a:r>
-            <a:endParaRPr lang="de-DE" dirty="0"/>
-          </a:p>
-        </p:txBody>
-      </p:sp>
-      <p:sp>
-        <p:nvSpPr>
-          <p:cNvPr id="7" name="Inhaltsplatzhalter 6"/>
-          <p:cNvSpPr>
-            <a:spLocks noGrp="1"/>
-          </p:cNvSpPr>
-          <p:nvPr>
-            <p:ph idx="1"/>
-          </p:nvPr>
-        </p:nvSpPr>
-        <p:spPr/>
-        <p:txBody>
-          <a:bodyPr/>
-          <a:lstStyle/>
-          <a:p>
-            <a:r>
-              <a:rPr lang="de-DE" dirty="0"/>
-              <a:t>OMG </a:t>
-            </a:r>
-            <a:r>
-              <a:rPr lang="de-DE" dirty="0" smtClean="0"/>
-              <a:t>Data </a:t>
-            </a:r>
-            <a:r>
-              <a:rPr lang="de-DE" dirty="0"/>
-              <a:t>Distribution Service Version </a:t>
-            </a:r>
-            <a:r>
-              <a:rPr lang="de-DE" dirty="0" smtClean="0"/>
-              <a:t>1.4 (Link)</a:t>
-            </a:r>
-          </a:p>
-          <a:p>
-            <a:r>
-              <a:rPr lang="de-DE" dirty="0" smtClean="0"/>
-              <a:t>DDS </a:t>
-            </a:r>
-            <a:r>
-              <a:rPr lang="de-DE" dirty="0" err="1" smtClean="0"/>
-              <a:t>Foundation</a:t>
-            </a:r>
-            <a:r>
-              <a:rPr lang="de-DE" dirty="0" smtClean="0"/>
-              <a:t> (Link)</a:t>
-            </a:r>
-          </a:p>
-          <a:p>
-            <a:r>
-              <a:rPr lang="de-DE" dirty="0" smtClean="0"/>
-              <a:t>Penis </a:t>
-            </a:r>
-            <a:r>
-              <a:rPr lang="de-DE" dirty="0" err="1" smtClean="0"/>
-              <a:t>informatik</a:t>
-            </a:r>
-            <a:r>
-              <a:rPr lang="de-DE" dirty="0" smtClean="0"/>
-              <a:t> </a:t>
-            </a:r>
-            <a:r>
-              <a:rPr lang="de-DE" dirty="0" err="1" smtClean="0"/>
-              <a:t>seite</a:t>
-            </a:r>
-            <a:r>
-              <a:rPr lang="de-DE" dirty="0" smtClean="0"/>
-              <a:t> (Link)</a:t>
-            </a:r>
-            <a:endParaRPr lang="de-DE" dirty="0"/>
-          </a:p>
-        </p:txBody>
-      </p:sp>
-      <p:sp>
-        <p:nvSpPr>
-          <p:cNvPr id="4" name="Fußzeilenplatzhalter 3"/>
-          <p:cNvSpPr>
-            <a:spLocks noGrp="1"/>
-          </p:cNvSpPr>
-          <p:nvPr>
-            <p:ph type="ftr" sz="quarter" idx="11"/>
-          </p:nvPr>
-        </p:nvSpPr>
-        <p:spPr/>
-        <p:txBody>
-          <a:bodyPr/>
-          <a:lstStyle/>
-          <a:p>
-            <a:r>
-              <a:rPr lang="nl-NL" smtClean="0"/>
-              <a:t>C. Adolph - J.P. Kaatz - 2021</a:t>
-            </a:r>
-            <a:endParaRPr lang="de-DE" dirty="0"/>
-          </a:p>
-        </p:txBody>
-      </p:sp>
-      <p:sp>
-        <p:nvSpPr>
-          <p:cNvPr id="5" name="Foliennummernplatzhalter 4"/>
-          <p:cNvSpPr>
-            <a:spLocks noGrp="1"/>
-          </p:cNvSpPr>
-          <p:nvPr>
-            <p:ph type="sldNum" sz="quarter" idx="12"/>
-          </p:nvPr>
-        </p:nvSpPr>
-        <p:spPr/>
-        <p:txBody>
-          <a:bodyPr/>
-          <a:lstStyle/>
-          <a:p>
-            <a:fld id="{4D1A007C-F580-4FCE-902E-6189D8624F0F}" type="slidenum">
-              <a:rPr lang="de-DE" smtClean="0"/>
-              <a:t>16</a:t>
             </a:fld>
             <a:endParaRPr lang="de-DE"/>
           </a:p>
@@ -5079,7 +4763,26 @@
           <a:p>
             <a:r>
               <a:rPr lang="de-DE" dirty="0" smtClean="0"/>
+              <a:t>kurzer </a:t>
+            </a:r>
+            <a:r>
+              <a:rPr lang="de-DE" dirty="0" smtClean="0"/>
+              <a:t>Exkurs </a:t>
+            </a:r>
+            <a:r>
+              <a:rPr lang="de-DE" dirty="0" smtClean="0"/>
               <a:t>Netzwerkevolution</a:t>
+            </a:r>
+            <a:br>
+              <a:rPr lang="de-DE" dirty="0" smtClean="0"/>
+            </a:br>
+            <a:r>
+              <a:rPr lang="de-DE" dirty="0" err="1" smtClean="0"/>
+              <a:t>evtl</a:t>
+            </a:r>
+            <a:r>
+              <a:rPr lang="de-DE" dirty="0" smtClean="0"/>
+              <a:t> Datenmengen</a:t>
             </a:r>
             <a:endParaRPr lang="de-DE" dirty="0"/>
           </a:p>
@@ -7389,13 +7092,21 @@
           <a:lstStyle/>
           <a:p>
             <a:r>
-              <a:rPr lang="de-DE" b="1" dirty="0"/>
+              <a:rPr lang="de-DE" b="1" dirty="0" smtClean="0"/>
               <a:t>Data-</a:t>
             </a:r>
             <a:r>
-              <a:rPr lang="de-DE" b="1" dirty="0" err="1"/>
+              <a:rPr lang="de-DE" b="1" dirty="0" err="1" smtClean="0"/>
               <a:t>Centric</a:t>
             </a:r>
+            <a:r>
+              <a:rPr lang="de-DE" b="1" dirty="0" smtClean="0"/>
+              <a:t> </a:t>
+            </a:r>
+            <a:r>
+              <a:rPr lang="de-DE" b="1" dirty="0" err="1" smtClean="0"/>
+              <a:t>erkklären</a:t>
+            </a:r>
             <a:endParaRPr lang="de-DE" dirty="0"/>
           </a:p>
         </p:txBody>
@@ -7415,6 +7126,10 @@
           <a:bodyPr/>
           <a:lstStyle/>
           <a:p>
+            <a:r>
+              <a:rPr lang="de-DE" dirty="0" smtClean="0"/>
+              <a:t>WICHTIG</a:t>
+            </a:r>
             <a:endParaRPr lang="de-DE" dirty="0"/>
           </a:p>
         </p:txBody>
@@ -7815,7 +7530,7 @@
           <a:p>
             <a:r>
               <a:rPr lang="de-DE" dirty="0" smtClean="0"/>
-              <a:t>DDS Konzepte</a:t>
+              <a:t>DDS Architektur - Modell</a:t>
             </a:r>
             <a:endParaRPr lang="de-DE" dirty="0"/>
           </a:p>
@@ -7833,45 +7548,44 @@
         </p:nvSpPr>
         <p:spPr/>
         <p:txBody>
-          <a:bodyPr>
-            <a:normAutofit/>
-          </a:bodyPr>
+          <a:bodyPr/>
           <a:lstStyle/>
           <a:p>
             <a:r>
               <a:rPr lang="de-DE" dirty="0" smtClean="0"/>
-              <a:t>DCPS</a:t>
-            </a:r>
+              <a:t>Auf welcher Ebene des OSI ISO befinden wir uns?</a:t>
+            </a:r>
+          </a:p>
+          <a:p>
+            <a:r>
+              <a:rPr lang="de-DE" dirty="0"/>
+              <a:t>Message-</a:t>
+            </a:r>
+            <a:r>
+              <a:rPr lang="de-DE" dirty="0" err="1"/>
+              <a:t>oriented</a:t>
+            </a:r>
+            <a:r>
+              <a:rPr lang="de-DE" dirty="0"/>
+              <a:t> </a:t>
+            </a:r>
+            <a:r>
+              <a:rPr lang="de-DE" dirty="0" err="1"/>
+              <a:t>middleware</a:t>
+            </a:r>
+            <a:endParaRPr lang="de-DE" dirty="0"/>
           </a:p>
           <a:p>
             <a:r>
               <a:rPr lang="de-DE" dirty="0" smtClean="0"/>
-              <a:t>DLRL (nicht verwechseln mit TL;DR)</a:t>
-            </a:r>
-          </a:p>
-          <a:p>
-            <a:r>
-              <a:rPr lang="de-DE" dirty="0" smtClean="0"/>
-              <a:t>TOPIC</a:t>
-            </a:r>
-          </a:p>
-          <a:p>
-            <a:r>
-              <a:rPr lang="de-DE" dirty="0" smtClean="0"/>
-              <a:t>DOMAIN</a:t>
-            </a:r>
-          </a:p>
-          <a:p>
-            <a:r>
-              <a:rPr lang="de-DE" dirty="0" smtClean="0"/>
-              <a:t>PUBLISHER</a:t>
-            </a:r>
-          </a:p>
-          <a:p>
-            <a:r>
-              <a:rPr lang="de-DE" dirty="0" smtClean="0"/>
-              <a:t>SUBSCRIBER</a:t>
-            </a:r>
+              <a:t>BILD</a:t>
+            </a:r>
+            <a:endParaRPr lang="de-DE" dirty="0" smtClean="0"/>
+          </a:p>
+          <a:p>
+            <a:endParaRPr lang="de-DE" dirty="0"/>
+          </a:p>
+          <a:p>
             <a:endParaRPr lang="de-DE" dirty="0"/>
           </a:p>
         </p:txBody>
@@ -7925,7 +7639,7 @@
     </p:spTree>
     <p:extLst>
       <p:ext uri="{BB962C8B-B14F-4D97-AF65-F5344CB8AC3E}">
-        <p14:creationId xmlns:p14="http://schemas.microsoft.com/office/powerpoint/2010/main" val="3561935396"/>
+        <p14:creationId xmlns:p14="http://schemas.microsoft.com/office/powerpoint/2010/main" val="4005688388"/>
       </p:ext>
     </p:extLst>
   </p:cSld>
@@ -7969,7 +7683,7 @@
           <a:p>
             <a:r>
               <a:rPr lang="de-DE" dirty="0" smtClean="0"/>
-              <a:t>DDS Architektur - Modell</a:t>
+              <a:t>DDS Konzepte</a:t>
             </a:r>
             <a:endParaRPr lang="de-DE" dirty="0"/>
           </a:p>
@@ -7987,40 +7701,54 @@
         </p:nvSpPr>
         <p:spPr/>
         <p:txBody>
-          <a:bodyPr/>
+          <a:bodyPr>
+            <a:normAutofit/>
+          </a:bodyPr>
           <a:lstStyle/>
           <a:p>
             <a:r>
               <a:rPr lang="de-DE" dirty="0" smtClean="0"/>
-              <a:t>Auf welcher Ebene des OSI ISO befinden wir uns?</a:t>
-            </a:r>
-          </a:p>
-          <a:p>
-            <a:r>
-              <a:rPr lang="de-DE" dirty="0"/>
-              <a:t>Message-</a:t>
-            </a:r>
-            <a:r>
-              <a:rPr lang="de-DE" dirty="0" err="1"/>
-              <a:t>oriented</a:t>
-            </a:r>
-            <a:r>
-              <a:rPr lang="de-DE" dirty="0"/>
-              <a:t> </a:t>
-            </a:r>
-            <a:r>
-              <a:rPr lang="de-DE" dirty="0" err="1"/>
-              <a:t>middleware</a:t>
-            </a:r>
+              <a:t>DCPS</a:t>
+            </a:r>
+          </a:p>
+          <a:p>
+            <a:r>
+              <a:rPr lang="de-DE" dirty="0" smtClean="0"/>
+              <a:t>DLRL (nicht verwechseln mit TL;DR)</a:t>
+            </a:r>
+          </a:p>
+          <a:p>
+            <a:r>
+              <a:rPr lang="de-DE" dirty="0" smtClean="0"/>
+              <a:t>TOPIC</a:t>
+            </a:r>
+          </a:p>
+          <a:p>
+            <a:r>
+              <a:rPr lang="de-DE" dirty="0" smtClean="0"/>
+              <a:t>DOMAIN</a:t>
+            </a:r>
+          </a:p>
+          <a:p>
+            <a:r>
+              <a:rPr lang="de-DE" dirty="0" smtClean="0"/>
+              <a:t>PUBLISHER</a:t>
+            </a:r>
+          </a:p>
+          <a:p>
+            <a:r>
+              <a:rPr lang="de-DE" dirty="0" smtClean="0"/>
+              <a:t>SUBSCRIBER</a:t>
+            </a:r>
+          </a:p>
+          <a:p>
             <a:endParaRPr lang="de-DE" dirty="0"/>
           </a:p>
           <a:p>
-            <a:endParaRPr lang="de-DE" dirty="0" smtClean="0"/>
-          </a:p>
-          <a:p>
-            <a:endParaRPr lang="de-DE" dirty="0"/>
-          </a:p>
-          <a:p>
+            <a:r>
+              <a:rPr lang="de-DE" dirty="0" smtClean="0"/>
+              <a:t>???????</a:t>
+            </a:r>
             <a:endParaRPr lang="de-DE" dirty="0"/>
           </a:p>
         </p:txBody>
@@ -8074,7 +7802,7 @@
     </p:spTree>
     <p:extLst>
       <p:ext uri="{BB962C8B-B14F-4D97-AF65-F5344CB8AC3E}">
-        <p14:creationId xmlns:p14="http://schemas.microsoft.com/office/powerpoint/2010/main" val="4005688388"/>
+        <p14:creationId xmlns:p14="http://schemas.microsoft.com/office/powerpoint/2010/main" val="3561935396"/>
       </p:ext>
     </p:extLst>
   </p:cSld>
@@ -8122,7 +7850,11 @@
             </a:r>
             <a:r>
               <a:rPr lang="de-DE" dirty="0" smtClean="0"/>
-              <a:t> Bild</a:t>
+              <a:t> Bild von zwei Teilnehmern die </a:t>
+            </a:r>
+            <a:r>
+              <a:rPr lang="de-DE" dirty="0" err="1" smtClean="0"/>
+              <a:t>kommunizierne</a:t>
             </a:r>
             <a:endParaRPr lang="de-DE" dirty="0"/>
           </a:p>
@@ -8298,7 +8030,7 @@
 </file>
 
 <file path=ppt/slides/slide9.xml><?xml version="1.0" encoding="utf-8"?>
-<p:sld xmlns:a="http://schemas.openxmlformats.org/drawingml/2006/main" xmlns:r="http://schemas.openxmlformats.org/officeDocument/2006/relationships" xmlns:p="http://schemas.openxmlformats.org/presentationml/2006/main" show="0">
+<p:sld xmlns:a="http://schemas.openxmlformats.org/drawingml/2006/main" xmlns:r="http://schemas.openxmlformats.org/officeDocument/2006/relationships" xmlns:p="http://schemas.openxmlformats.org/presentationml/2006/main">
   <p:cSld>
     <p:spTree>
       <p:nvGrpSpPr>
@@ -8331,7 +8063,15 @@
           <a:p>
             <a:r>
               <a:rPr lang="de-DE" dirty="0" smtClean="0"/>
-              <a:t>DDS Implementierungen</a:t>
+              <a:t>J: ausgewählte DDS </a:t>
+            </a:r>
+            <a:r>
+              <a:rPr lang="de-DE" dirty="0" err="1" smtClean="0"/>
+              <a:t>QoS</a:t>
+            </a:r>
+            <a:r>
+              <a:rPr lang="de-DE" dirty="0" smtClean="0"/>
+              <a:t> Beispiele</a:t>
             </a:r>
             <a:endParaRPr lang="de-DE" dirty="0"/>
           </a:p>
@@ -8354,48 +8094,30 @@
           <a:p>
             <a:r>
               <a:rPr lang="de-DE" dirty="0" err="1" smtClean="0"/>
-              <a:t>OpenDDS</a:t>
+              <a:t>History</a:t>
             </a:r>
             <a:endParaRPr lang="de-DE" dirty="0" smtClean="0"/>
           </a:p>
           <a:p>
             <a:r>
               <a:rPr lang="de-DE" dirty="0" smtClean="0"/>
-              <a:t>DDS </a:t>
-            </a:r>
+              <a:t>Discovery</a:t>
+            </a:r>
+          </a:p>
+          <a:p>
             <a:r>
               <a:rPr lang="de-DE" dirty="0" err="1" smtClean="0"/>
-              <a:t>for</a:t>
+              <a:t>Reliable</a:t>
             </a:r>
             <a:r>
               <a:rPr lang="de-DE" dirty="0" smtClean="0"/>
-              <a:t> TAO</a:t>
+              <a:t> Data</a:t>
             </a:r>
           </a:p>
           <a:p>
             <a:r>
               <a:rPr lang="de-DE" dirty="0" smtClean="0"/>
-              <a:t>RTI Data Distribution Service (NDDS)</a:t>
-            </a:r>
-          </a:p>
-          <a:p>
-            <a:r>
-              <a:rPr lang="de-DE" dirty="0" smtClean="0"/>
-              <a:t>BEE DDS</a:t>
-            </a:r>
-          </a:p>
-          <a:p>
-            <a:r>
-              <a:rPr lang="de-DE" dirty="0" smtClean="0"/>
-              <a:t>DDS </a:t>
-            </a:r>
-            <a:r>
-              <a:rPr lang="de-DE" dirty="0" err="1" smtClean="0"/>
-              <a:t>for</a:t>
-            </a:r>
-            <a:r>
-              <a:rPr lang="de-DE" dirty="0" smtClean="0"/>
-              <a:t> ROS</a:t>
+              <a:t>Filter</a:t>
             </a:r>
             <a:endParaRPr lang="de-DE" dirty="0"/>
           </a:p>
@@ -8450,21 +8172,13 @@
     </p:spTree>
     <p:extLst>
       <p:ext uri="{BB962C8B-B14F-4D97-AF65-F5344CB8AC3E}">
-        <p14:creationId xmlns:p14="http://schemas.microsoft.com/office/powerpoint/2010/main" val="3373674930"/>
+        <p14:creationId xmlns:p14="http://schemas.microsoft.com/office/powerpoint/2010/main" val="2324785858"/>
       </p:ext>
     </p:extLst>
   </p:cSld>
   <p:clrMapOvr>
     <a:masterClrMapping/>
   </p:clrMapOvr>
-  <mc:AlternateContent xmlns:mc="http://schemas.openxmlformats.org/markup-compatibility/2006">
-    <mc:Choice xmlns:p14="http://schemas.microsoft.com/office/powerpoint/2010/main" Requires="p14">
-      <p:transition spd="slow" p14:dur="2000"/>
-    </mc:Choice>
-    <mc:Fallback>
-      <p:transition spd="slow"/>
-    </mc:Fallback>
-  </mc:AlternateContent>
 </p:sld>
 </file>
 
